--- a/Node JS/Express création d_une api/10_Amélioration du code de test de recuperation d_un membre par son id.pptx
+++ b/Node JS/Express création d_une api/10_Amélioration du code de test de recuperation d_un membre par son id.pptx
@@ -5413,14 +5413,7 @@
           <p:cNvPicPr preferRelativeResize="0"/>
           <p:nvPr/>
         </p:nvPicPr>
-        <p:blipFill>
-          <a:blip r:embed="rId3">
-            <a:alphaModFix/>
-          </a:blip>
-          <a:stretch>
-            <a:fillRect/>
-          </a:stretch>
-        </p:blipFill>
+        <p:blipFill/>
         <p:spPr>
           <a:xfrm>
             <a:off x="0" y="0"/>
@@ -5494,7 +5487,7 @@
           <p:nvPr/>
         </p:nvPicPr>
         <p:blipFill>
-          <a:blip r:embed="rId4">
+          <a:blip r:embed="rId3">
             <a:alphaModFix/>
           </a:blip>
           <a:stretch>
